--- a/演示/计科导pre.pptx
+++ b/演示/计科导pre.pptx
@@ -32454,7 +32454,7 @@
         <p:spPr>
           <a:xfrm>
             <a:off x="872455" y="1309745"/>
-            <a:ext cx="2710999" cy="369332"/>
+            <a:ext cx="2775119" cy="2862322"/>
           </a:xfrm>
           <a:prstGeom prst="rect">
             <a:avLst/>
@@ -32479,6 +32479,103 @@
               <a:rPr lang="zh-CN" altLang="en-US" dirty="0"/>
               <a:t>有效分工协作</a:t>
             </a:r>
+            <a:r>
+              <a:rPr lang="en-US" altLang="zh-CN" dirty="0"/>
+              <a:t>:</a:t>
+            </a:r>
+          </a:p>
+          <a:p>
+            <a:endParaRPr lang="en-US" altLang="zh-CN" dirty="0"/>
+          </a:p>
+          <a:p>
+            <a:endParaRPr lang="en-US" altLang="zh-CN" dirty="0"/>
+          </a:p>
+          <a:p>
+            <a:endParaRPr lang="en-US" altLang="zh-CN" dirty="0"/>
+          </a:p>
+          <a:p>
+            <a:endParaRPr lang="en-US" altLang="zh-CN" dirty="0"/>
+          </a:p>
+          <a:p>
+            <a:r>
+              <a:rPr lang="zh-CN" altLang="en-US" dirty="0"/>
+              <a:t>分工</a:t>
+            </a:r>
+            <a:r>
+              <a:rPr lang="en-US" altLang="zh-CN" dirty="0"/>
+              <a:t>:</a:t>
+            </a:r>
+          </a:p>
+          <a:p>
+            <a:r>
+              <a:rPr lang="zh-CN" altLang="en-US" dirty="0"/>
+              <a:t>前端</a:t>
+            </a:r>
+            <a:r>
+              <a:rPr lang="en-US" altLang="zh-CN" dirty="0"/>
+              <a:t>+</a:t>
+            </a:r>
+            <a:r>
+              <a:rPr lang="zh-CN" altLang="en-US" dirty="0"/>
+              <a:t>调试测试</a:t>
+            </a:r>
+            <a:r>
+              <a:rPr lang="en-US" altLang="zh-CN" dirty="0"/>
+              <a:t>:</a:t>
+            </a:r>
+            <a:r>
+              <a:rPr lang="zh-CN" altLang="en-US" dirty="0"/>
+              <a:t>李家麒</a:t>
+            </a:r>
+            <a:endParaRPr lang="en-US" altLang="zh-CN" dirty="0"/>
+          </a:p>
+          <a:p>
+            <a:r>
+              <a:rPr lang="zh-CN" altLang="en-US" dirty="0"/>
+              <a:t>前端</a:t>
+            </a:r>
+            <a:r>
+              <a:rPr lang="en-US" altLang="zh-CN" dirty="0"/>
+              <a:t>+</a:t>
+            </a:r>
+            <a:r>
+              <a:rPr lang="zh-CN" altLang="en-US" dirty="0"/>
+              <a:t>数据收集</a:t>
+            </a:r>
+            <a:r>
+              <a:rPr lang="en-US" altLang="zh-CN" dirty="0"/>
+              <a:t>:</a:t>
+            </a:r>
+            <a:r>
+              <a:rPr lang="zh-CN" altLang="en-US" dirty="0"/>
+              <a:t>张泽绅</a:t>
+            </a:r>
+            <a:endParaRPr lang="en-US" altLang="zh-CN" dirty="0"/>
+          </a:p>
+          <a:p>
+            <a:r>
+              <a:rPr lang="zh-CN" altLang="en-US" dirty="0"/>
+              <a:t>后端</a:t>
+            </a:r>
+            <a:r>
+              <a:rPr lang="en-US" altLang="zh-CN" dirty="0"/>
+              <a:t>+</a:t>
+            </a:r>
+            <a:r>
+              <a:rPr lang="zh-CN" altLang="en-US" dirty="0"/>
+              <a:t>数据处理</a:t>
+            </a:r>
+            <a:r>
+              <a:rPr lang="en-US" altLang="zh-CN" dirty="0"/>
+              <a:t>:</a:t>
+            </a:r>
+            <a:r>
+              <a:rPr lang="zh-CN" altLang="en-US" dirty="0"/>
+              <a:t>杨英颢</a:t>
+            </a:r>
+            <a:endParaRPr lang="en-US" altLang="zh-CN" dirty="0"/>
+          </a:p>
+          <a:p>
             <a:endParaRPr lang="en-US" altLang="zh-CN" dirty="0"/>
           </a:p>
         </p:txBody>
